--- a/obhajoba_prezentace.pptx
+++ b/obhajoba_prezentace.pptx
@@ -143,6 +143,7 @@
 <file path=ppt/revisionInfo.xml><?xml version="1.0" encoding="utf-8"?>
 <p1510:revInfo xmlns:a="http://schemas.openxmlformats.org/drawingml/2006/main" xmlns:r="http://schemas.openxmlformats.org/officeDocument/2006/relationships" xmlns:p1510="http://schemas.microsoft.com/office/powerpoint/2015/10/main">
   <p1510:revLst>
+    <p1510:client id="{31338BA5-25AC-E1C4-6904-1BB904D460FA}" v="5" dt="2026-01-29T12:14:11.323"/>
     <p1510:client id="{6BE29EE4-5BE5-7234-FEE2-20FCDDD880B6}" v="414" dt="2026-01-28T22:59:20.216"/>
   </p1510:revLst>
 </p1510:revInfo>
@@ -1521,7 +1522,7 @@
           </a:lstStyle>
           <a:p>
             <a:fld id="{50CF4301-3CC6-4983-B462-8AF48983D35B}" type="datetimeFigureOut">
-              <a:t>28.01.2026</a:t>
+              <a:t>29.01.2026</a:t>
             </a:fld>
             <a:endParaRPr lang="cs-CZ"/>
           </a:p>
@@ -7301,7 +7302,7 @@
           <a:p>
             <a:fld id="{8B329ADC-2255-4EF3-B5C0-B90829E78CD9}" type="datetimeFigureOut">
               <a:rPr lang="cs-CZ" smtClean="0"/>
-              <a:t>28.01.2026</a:t>
+              <a:t>29.01.2026</a:t>
             </a:fld>
             <a:endParaRPr lang="cs-CZ"/>
           </a:p>
@@ -7459,7 +7460,7 @@
           <a:p>
             <a:fld id="{8B329ADC-2255-4EF3-B5C0-B90829E78CD9}" type="datetimeFigureOut">
               <a:rPr lang="cs-CZ" smtClean="0"/>
-              <a:t>28.01.2026</a:t>
+              <a:t>29.01.2026</a:t>
             </a:fld>
             <a:endParaRPr lang="cs-CZ"/>
           </a:p>
@@ -9182,7 +9183,7 @@
           <a:p>
             <a:fld id="{8B329ADC-2255-4EF3-B5C0-B90829E78CD9}" type="datetimeFigureOut">
               <a:rPr lang="cs-CZ" smtClean="0"/>
-              <a:t>28.01.2026</a:t>
+              <a:t>29.01.2026</a:t>
             </a:fld>
             <a:endParaRPr lang="cs-CZ"/>
           </a:p>
@@ -9482,7 +9483,7 @@
           <a:p>
             <a:fld id="{8B329ADC-2255-4EF3-B5C0-B90829E78CD9}" type="datetimeFigureOut">
               <a:rPr lang="cs-CZ" smtClean="0"/>
-              <a:t>28.01.2026</a:t>
+              <a:t>29.01.2026</a:t>
             </a:fld>
             <a:endParaRPr lang="cs-CZ"/>
           </a:p>
@@ -9975,13 +9976,13 @@
   <p:clrMapOvr>
     <a:masterClrMapping/>
   </p:clrMapOvr>
-  <mc:AlternateContent xmlns:mc="http://schemas.openxmlformats.org/markup-compatibility/2006">
-    <mc:Choice xmlns:p14="http://schemas.microsoft.com/office/powerpoint/2010/main" Requires="p14">
+  <mc:AlternateContent xmlns:mc="http://schemas.openxmlformats.org/markup-compatibility/2006" xmlns:p14="http://schemas.microsoft.com/office/powerpoint/2010/main">
+    <mc:Choice Requires="p14">
       <p:transition spd="med" p14:dur="700">
         <p:fade/>
       </p:transition>
     </mc:Choice>
-    <mc:Fallback>
+    <mc:Fallback xmlns="">
       <p:transition spd="med">
         <p:fade/>
       </p:transition>
@@ -10398,13 +10399,13 @@
   <p:clrMapOvr>
     <a:masterClrMapping/>
   </p:clrMapOvr>
-  <mc:AlternateContent xmlns:mc="http://schemas.openxmlformats.org/markup-compatibility/2006">
-    <mc:Choice xmlns:p14="http://schemas.microsoft.com/office/powerpoint/2010/main" Requires="p14">
+  <mc:AlternateContent xmlns:mc="http://schemas.openxmlformats.org/markup-compatibility/2006" xmlns:p14="http://schemas.microsoft.com/office/powerpoint/2010/main">
+    <mc:Choice Requires="p14">
       <p:transition spd="med" p14:dur="700">
         <p:fade/>
       </p:transition>
     </mc:Choice>
-    <mc:Fallback>
+    <mc:Fallback xmlns="">
       <p:transition spd="med">
         <p:fade/>
       </p:transition>
@@ -10966,7 +10967,7 @@
           <a:p>
             <a:fld id="{8B329ADC-2255-4EF3-B5C0-B90829E78CD9}" type="datetimeFigureOut">
               <a:rPr lang="cs-CZ" smtClean="0"/>
-              <a:t>28.01.2026</a:t>
+              <a:t>29.01.2026</a:t>
             </a:fld>
             <a:endParaRPr lang="cs-CZ"/>
           </a:p>
@@ -11198,7 +11199,7 @@
           <a:p>
             <a:fld id="{8B329ADC-2255-4EF3-B5C0-B90829E78CD9}" type="datetimeFigureOut">
               <a:rPr lang="cs-CZ" smtClean="0"/>
-              <a:t>28.01.2026</a:t>
+              <a:t>29.01.2026</a:t>
             </a:fld>
             <a:endParaRPr lang="cs-CZ"/>
           </a:p>
@@ -11485,7 +11486,7 @@
           <a:p>
             <a:fld id="{8B329ADC-2255-4EF3-B5C0-B90829E78CD9}" type="datetimeFigureOut">
               <a:rPr lang="cs-CZ" smtClean="0"/>
-              <a:t>28.01.2026</a:t>
+              <a:t>29.01.2026</a:t>
             </a:fld>
             <a:endParaRPr lang="cs-CZ"/>
           </a:p>
@@ -11762,7 +11763,7 @@
           <a:p>
             <a:fld id="{8B329ADC-2255-4EF3-B5C0-B90829E78CD9}" type="datetimeFigureOut">
               <a:rPr lang="cs-CZ" smtClean="0"/>
-              <a:t>28.01.2026</a:t>
+              <a:t>29.01.2026</a:t>
             </a:fld>
             <a:endParaRPr lang="cs-CZ"/>
           </a:p>
@@ -12186,7 +12187,7 @@
           <a:p>
             <a:fld id="{8B329ADC-2255-4EF3-B5C0-B90829E78CD9}" type="datetimeFigureOut">
               <a:rPr lang="cs-CZ" smtClean="0"/>
-              <a:t>28.01.2026</a:t>
+              <a:t>29.01.2026</a:t>
             </a:fld>
             <a:endParaRPr lang="cs-CZ"/>
           </a:p>
@@ -12339,7 +12340,7 @@
           <a:p>
             <a:fld id="{8B329ADC-2255-4EF3-B5C0-B90829E78CD9}" type="datetimeFigureOut">
               <a:rPr lang="cs-CZ" smtClean="0"/>
-              <a:t>28.01.2026</a:t>
+              <a:t>29.01.2026</a:t>
             </a:fld>
             <a:endParaRPr lang="cs-CZ"/>
           </a:p>
@@ -12492,7 +12493,7 @@
           <a:p>
             <a:fld id="{8B329ADC-2255-4EF3-B5C0-B90829E78CD9}" type="datetimeFigureOut">
               <a:rPr lang="cs-CZ" smtClean="0"/>
-              <a:t>28.01.2026</a:t>
+              <a:t>29.01.2026</a:t>
             </a:fld>
             <a:endParaRPr lang="cs-CZ"/>
           </a:p>
@@ -12809,7 +12810,7 @@
           <a:p>
             <a:fld id="{CD529CD2-0146-4F3B-A4AA-75EB0CF2F752}" type="datetimeFigureOut">
               <a:rPr lang="cs-CZ" smtClean="0"/>
-              <a:t>28.01.2026</a:t>
+              <a:t>29.01.2026</a:t>
             </a:fld>
             <a:endParaRPr lang="cs-CZ"/>
           </a:p>
@@ -13430,7 +13431,7 @@
           <a:p>
             <a:fld id="{CD529CD2-0146-4F3B-A4AA-75EB0CF2F752}" type="datetimeFigureOut">
               <a:rPr lang="cs-CZ" smtClean="0"/>
-              <a:t>28.01.2026</a:t>
+              <a:t>29.01.2026</a:t>
             </a:fld>
             <a:endParaRPr lang="cs-CZ"/>
           </a:p>
@@ -14126,7 +14127,7 @@
             <a:fld id="{8B329ADC-2255-4EF3-B5C0-B90829E78CD9}" type="datetimeFigureOut">
               <a:rPr lang="cs-CZ" smtClean="0"/>
               <a:pPr/>
-              <a:t>28.01.2026</a:t>
+              <a:t>29.01.2026</a:t>
             </a:fld>
             <a:endParaRPr lang="cs-CZ" dirty="0">
               <a:latin typeface="Arial" panose="020B0604020202020204" pitchFamily="34" charset="0"/>
@@ -14928,7 +14929,7 @@
           <a:p>
             <a:fld id="{CD529CD2-0146-4F3B-A4AA-75EB0CF2F752}" type="datetimeFigureOut">
               <a:rPr lang="cs-CZ" smtClean="0"/>
-              <a:t>28.01.2026</a:t>
+              <a:t>29.01.2026</a:t>
             </a:fld>
             <a:endParaRPr lang="cs-CZ"/>
           </a:p>
@@ -15035,13 +15036,13 @@
   <p:sldLayoutIdLst>
     <p:sldLayoutId id="2147483680" r:id="rId1"/>
   </p:sldLayoutIdLst>
-  <mc:AlternateContent xmlns:mc="http://schemas.openxmlformats.org/markup-compatibility/2006">
-    <mc:Choice xmlns:p14="http://schemas.microsoft.com/office/powerpoint/2010/main" Requires="p14">
+  <mc:AlternateContent xmlns:mc="http://schemas.openxmlformats.org/markup-compatibility/2006" xmlns:p14="http://schemas.microsoft.com/office/powerpoint/2010/main">
+    <mc:Choice Requires="p14">
       <p:transition spd="med" p14:dur="700">
         <p:fade/>
       </p:transition>
     </mc:Choice>
-    <mc:Fallback>
+    <mc:Fallback xmlns="">
       <p:transition spd="med">
         <p:fade/>
       </p:transition>
@@ -17926,13 +17927,13 @@
   <p:clrMapOvr>
     <a:masterClrMapping/>
   </p:clrMapOvr>
-  <mc:AlternateContent xmlns:mc="http://schemas.openxmlformats.org/markup-compatibility/2006">
-    <mc:Choice xmlns:p14="http://schemas.microsoft.com/office/powerpoint/2010/main" Requires="p14">
+  <mc:AlternateContent xmlns:mc="http://schemas.openxmlformats.org/markup-compatibility/2006" xmlns:p14="http://schemas.microsoft.com/office/powerpoint/2010/main">
+    <mc:Choice Requires="p14">
       <p:transition spd="med" p14:dur="700">
         <p:fade/>
       </p:transition>
     </mc:Choice>
-    <mc:Fallback>
+    <mc:Fallback xmlns="">
       <p:transition spd="med">
         <p:fade/>
       </p:transition>
@@ -18056,13 +18057,13 @@
   <p:clrMapOvr>
     <a:masterClrMapping/>
   </p:clrMapOvr>
-  <mc:AlternateContent xmlns:mc="http://schemas.openxmlformats.org/markup-compatibility/2006">
-    <mc:Choice xmlns:p14="http://schemas.microsoft.com/office/powerpoint/2010/main" Requires="p14">
+  <mc:AlternateContent xmlns:mc="http://schemas.openxmlformats.org/markup-compatibility/2006" xmlns:p14="http://schemas.microsoft.com/office/powerpoint/2010/main">
+    <mc:Choice Requires="p14">
       <p:transition spd="med" p14:dur="700">
         <p:fade/>
       </p:transition>
     </mc:Choice>
-    <mc:Fallback>
+    <mc:Fallback xmlns="">
       <p:transition spd="med">
         <p:fade/>
       </p:transition>
@@ -18194,13 +18195,13 @@
   <p:clrMapOvr>
     <a:masterClrMapping/>
   </p:clrMapOvr>
-  <mc:AlternateContent xmlns:mc="http://schemas.openxmlformats.org/markup-compatibility/2006">
-    <mc:Choice xmlns:p14="http://schemas.microsoft.com/office/powerpoint/2010/main" Requires="p14">
+  <mc:AlternateContent xmlns:mc="http://schemas.openxmlformats.org/markup-compatibility/2006" xmlns:p14="http://schemas.microsoft.com/office/powerpoint/2010/main">
+    <mc:Choice Requires="p14">
       <p:transition spd="med" p14:dur="700">
         <p:fade/>
       </p:transition>
     </mc:Choice>
-    <mc:Fallback>
+    <mc:Fallback xmlns="">
       <p:transition spd="med">
         <p:fade/>
       </p:transition>
@@ -21209,7 +21210,7 @@
                 <a:latin typeface="Arial"/>
                 <a:cs typeface="Arial"/>
               </a:rPr>
-              <a:t> je extrémně slabá (r = 0,09),</a:t>
+              <a:t> je slabá (r = 0,29),</a:t>
             </a:r>
           </a:p>
           <a:p>
@@ -23646,6 +23647,26 @@
 </file>
 
 <file path=customXml/item1.xml><?xml version="1.0" encoding="utf-8"?>
+<p:properties xmlns:p="http://schemas.microsoft.com/office/2006/metadata/properties" xmlns:xsi="http://www.w3.org/2001/XMLSchema-instance" xmlns:pc="http://schemas.microsoft.com/office/infopath/2007/PartnerControls">
+  <documentManagement>
+    <lcf76f155ced4ddcb4097134ff3c332f xmlns="7fe71cfb-81ed-4b9d-9a1f-cae1a72b62ba">
+      <Terms xmlns="http://schemas.microsoft.com/office/infopath/2007/PartnerControls"/>
+    </lcf76f155ced4ddcb4097134ff3c332f>
+    <TaxCatchAll xmlns="184be059-f9c1-47a1-baeb-6b78fb5c2cd7" xsi:nil="true"/>
+  </documentManagement>
+</p:properties>
+</file>
+
+<file path=customXml/item2.xml><?xml version="1.0" encoding="utf-8"?>
+<?mso-contentType ?>
+<FormTemplates xmlns="http://schemas.microsoft.com/sharepoint/v3/contenttype/forms">
+  <Display>DocumentLibraryForm</Display>
+  <Edit>DocumentLibraryForm</Edit>
+  <New>DocumentLibraryForm</New>
+</FormTemplates>
+</file>
+
+<file path=customXml/item3.xml><?xml version="1.0" encoding="utf-8"?>
 <ct:contentTypeSchema xmlns:ct="http://schemas.microsoft.com/office/2006/metadata/contentType" xmlns:ma="http://schemas.microsoft.com/office/2006/metadata/properties/metaAttributes" ct:_="" ma:_="" ma:contentTypeName="Dokument" ma:contentTypeID="0x010100A5EAD61CDED85140BF5B934B48DD3484" ma:contentTypeVersion="15" ma:contentTypeDescription="Vytvoří nový dokument" ma:contentTypeScope="" ma:versionID="57c7acc678d4da0b8ba39acd8e916ed2">
   <xsd:schema xmlns:xsd="http://www.w3.org/2001/XMLSchema" xmlns:xs="http://www.w3.org/2001/XMLSchema" xmlns:p="http://schemas.microsoft.com/office/2006/metadata/properties" xmlns:ns2="7fe71cfb-81ed-4b9d-9a1f-cae1a72b62ba" xmlns:ns3="184be059-f9c1-47a1-baeb-6b78fb5c2cd7" targetNamespace="http://schemas.microsoft.com/office/2006/metadata/properties" ma:root="true" ma:fieldsID="00b82b4a7cf6d93894e416bb4502bf8f" ns2:_="" ns3:_="">
     <xsd:import namespace="7fe71cfb-81ed-4b9d-9a1f-cae1a72b62ba"/>
@@ -23874,27 +23895,32 @@
 </ct:contentTypeSchema>
 </file>
 
-<file path=customXml/item2.xml><?xml version="1.0" encoding="utf-8"?>
-<?mso-contentType ?>
-<FormTemplates xmlns="http://schemas.microsoft.com/sharepoint/v3/contenttype/forms">
-  <Display>DocumentLibraryForm</Display>
-  <Edit>DocumentLibraryForm</Edit>
-  <New>DocumentLibraryForm</New>
-</FormTemplates>
+<file path=customXml/itemProps1.xml><?xml version="1.0" encoding="utf-8"?>
+<ds:datastoreItem xmlns:ds="http://schemas.openxmlformats.org/officeDocument/2006/customXml" ds:itemID="{F0DE5107-EA5C-49BC-849B-82F30D30C53B}">
+  <ds:schemaRefs>
+    <ds:schemaRef ds:uri="http://purl.org/dc/terms/"/>
+    <ds:schemaRef ds:uri="184be059-f9c1-47a1-baeb-6b78fb5c2cd7"/>
+    <ds:schemaRef ds:uri="http://schemas.microsoft.com/office/2006/documentManagement/types"/>
+    <ds:schemaRef ds:uri="http://purl.org/dc/elements/1.1/"/>
+    <ds:schemaRef ds:uri="7fe71cfb-81ed-4b9d-9a1f-cae1a72b62ba"/>
+    <ds:schemaRef ds:uri="http://schemas.openxmlformats.org/package/2006/metadata/core-properties"/>
+    <ds:schemaRef ds:uri="http://schemas.microsoft.com/office/infopath/2007/PartnerControls"/>
+    <ds:schemaRef ds:uri="http://www.w3.org/XML/1998/namespace"/>
+    <ds:schemaRef ds:uri="http://purl.org/dc/dcmitype/"/>
+    <ds:schemaRef ds:uri="http://schemas.microsoft.com/office/2006/metadata/properties"/>
+  </ds:schemaRefs>
+</ds:datastoreItem>
 </file>
 
-<file path=customXml/item3.xml><?xml version="1.0" encoding="utf-8"?>
-<p:properties xmlns:p="http://schemas.microsoft.com/office/2006/metadata/properties" xmlns:xsi="http://www.w3.org/2001/XMLSchema-instance" xmlns:pc="http://schemas.microsoft.com/office/infopath/2007/PartnerControls">
-  <documentManagement>
-    <lcf76f155ced4ddcb4097134ff3c332f xmlns="7fe71cfb-81ed-4b9d-9a1f-cae1a72b62ba">
-      <Terms xmlns="http://schemas.microsoft.com/office/infopath/2007/PartnerControls"/>
-    </lcf76f155ced4ddcb4097134ff3c332f>
-    <TaxCatchAll xmlns="184be059-f9c1-47a1-baeb-6b78fb5c2cd7" xsi:nil="true"/>
-  </documentManagement>
-</p:properties>
+<file path=customXml/itemProps2.xml><?xml version="1.0" encoding="utf-8"?>
+<ds:datastoreItem xmlns:ds="http://schemas.openxmlformats.org/officeDocument/2006/customXml" ds:itemID="{632259C9-B307-4FF4-B7D2-DAD5D3FFF000}">
+  <ds:schemaRefs>
+    <ds:schemaRef ds:uri="http://schemas.microsoft.com/sharepoint/v3/contenttype/forms"/>
+  </ds:schemaRefs>
+</ds:datastoreItem>
 </file>
 
-<file path=customXml/itemProps1.xml><?xml version="1.0" encoding="utf-8"?>
+<file path=customXml/itemProps3.xml><?xml version="1.0" encoding="utf-8"?>
 <ds:datastoreItem xmlns:ds="http://schemas.openxmlformats.org/officeDocument/2006/customXml" ds:itemID="{F8CD9D9D-7B9F-4443-A564-98662DD48982}">
   <ds:schemaRefs>
     <ds:schemaRef ds:uri="http://schemas.microsoft.com/office/2006/metadata/contentType"/>
@@ -23911,29 +23937,4 @@
     <ds:schemaRef ds:uri="http://schemas.microsoft.com/internal/obd"/>
   </ds:schemaRefs>
 </ds:datastoreItem>
-</file>
-
-<file path=customXml/itemProps2.xml><?xml version="1.0" encoding="utf-8"?>
-<ds:datastoreItem xmlns:ds="http://schemas.openxmlformats.org/officeDocument/2006/customXml" ds:itemID="{632259C9-B307-4FF4-B7D2-DAD5D3FFF000}">
-  <ds:schemaRefs>
-    <ds:schemaRef ds:uri="http://schemas.microsoft.com/sharepoint/v3/contenttype/forms"/>
-  </ds:schemaRefs>
-</ds:datastoreItem>
-</file>
-
-<file path=customXml/itemProps3.xml><?xml version="1.0" encoding="utf-8"?>
-<ds:datastoreItem xmlns:ds="http://schemas.openxmlformats.org/officeDocument/2006/customXml" ds:itemID="{F0DE5107-EA5C-49BC-849B-82F30D30C53B}">
-  <ds:schemaRefs>
-    <ds:schemaRef ds:uri="http://purl.org/dc/terms/"/>
-    <ds:schemaRef ds:uri="184be059-f9c1-47a1-baeb-6b78fb5c2cd7"/>
-    <ds:schemaRef ds:uri="http://schemas.microsoft.com/office/2006/documentManagement/types"/>
-    <ds:schemaRef ds:uri="http://purl.org/dc/elements/1.1/"/>
-    <ds:schemaRef ds:uri="7fe71cfb-81ed-4b9d-9a1f-cae1a72b62ba"/>
-    <ds:schemaRef ds:uri="http://schemas.openxmlformats.org/package/2006/metadata/core-properties"/>
-    <ds:schemaRef ds:uri="http://schemas.microsoft.com/office/infopath/2007/PartnerControls"/>
-    <ds:schemaRef ds:uri="http://www.w3.org/XML/1998/namespace"/>
-    <ds:schemaRef ds:uri="http://purl.org/dc/dcmitype/"/>
-    <ds:schemaRef ds:uri="http://schemas.microsoft.com/office/2006/metadata/properties"/>
-  </ds:schemaRefs>
-</ds:datastoreItem>
 </file>